--- a/Présentation.pptx
+++ b/Présentation.pptx
@@ -5616,7 +5616,7 @@
           <a:p>
             <a:fld id="{A733EDDE-7CA3-4262-ACCD-AAC04CE9218F}" type="datetimeFigureOut">
               <a:rPr lang="fr-FR" smtClean="0"/>
-              <a:t>04/02/2019</a:t>
+              <a:t>05/02/2019</a:t>
             </a:fld>
             <a:endParaRPr lang="fr-FR"/>
           </a:p>
@@ -6451,7 +6451,7 @@
           <a:p>
             <a:r>
               <a:rPr lang="fr-FR" dirty="0"/>
-              <a:t>Démo</a:t>
+              <a:t>Démo, Approche Modulaire</a:t>
             </a:r>
           </a:p>
         </p:txBody>
@@ -7517,7 +7517,7 @@
             <a:fld id="{B61BEF0D-F0BB-DE4B-95CE-6DB70DBA9567}" type="datetimeFigureOut">
               <a:rPr lang="en-US" dirty="0"/>
               <a:pPr/>
-              <a:t>2/4/2019</a:t>
+              <a:t>2/5/2019</a:t>
             </a:fld>
             <a:endParaRPr lang="en-US" dirty="0"/>
           </a:p>
@@ -7810,7 +7810,7 @@
             <a:fld id="{B61BEF0D-F0BB-DE4B-95CE-6DB70DBA9567}" type="datetimeFigureOut">
               <a:rPr lang="en-US" dirty="0"/>
               <a:pPr/>
-              <a:t>2/4/2019</a:t>
+              <a:t>2/5/2019</a:t>
             </a:fld>
             <a:endParaRPr lang="en-US" dirty="0"/>
           </a:p>
@@ -8055,7 +8055,7 @@
             <a:fld id="{B61BEF0D-F0BB-DE4B-95CE-6DB70DBA9567}" type="datetimeFigureOut">
               <a:rPr lang="en-US" dirty="0"/>
               <a:pPr/>
-              <a:t>2/4/2019</a:t>
+              <a:t>2/5/2019</a:t>
             </a:fld>
             <a:endParaRPr lang="en-US" dirty="0"/>
           </a:p>
@@ -8592,7 +8592,7 @@
             <a:fld id="{B61BEF0D-F0BB-DE4B-95CE-6DB70DBA9567}" type="datetimeFigureOut">
               <a:rPr lang="en-US" dirty="0"/>
               <a:pPr/>
-              <a:t>2/4/2019</a:t>
+              <a:t>2/5/2019</a:t>
             </a:fld>
             <a:endParaRPr lang="en-US" dirty="0"/>
           </a:p>
@@ -8837,7 +8837,7 @@
             <a:fld id="{B61BEF0D-F0BB-DE4B-95CE-6DB70DBA9567}" type="datetimeFigureOut">
               <a:rPr lang="en-US" dirty="0"/>
               <a:pPr/>
-              <a:t>2/4/2019</a:t>
+              <a:t>2/5/2019</a:t>
             </a:fld>
             <a:endParaRPr lang="en-US" dirty="0"/>
           </a:p>
@@ -9366,7 +9366,7 @@
             <a:fld id="{B61BEF0D-F0BB-DE4B-95CE-6DB70DBA9567}" type="datetimeFigureOut">
               <a:rPr lang="en-US" dirty="0"/>
               <a:pPr/>
-              <a:t>2/4/2019</a:t>
+              <a:t>2/5/2019</a:t>
             </a:fld>
             <a:endParaRPr lang="en-US" dirty="0"/>
           </a:p>
@@ -9660,7 +9660,7 @@
             <a:fld id="{B61BEF0D-F0BB-DE4B-95CE-6DB70DBA9567}" type="datetimeFigureOut">
               <a:rPr lang="en-US" dirty="0"/>
               <a:pPr/>
-              <a:t>2/4/2019</a:t>
+              <a:t>2/5/2019</a:t>
             </a:fld>
             <a:endParaRPr lang="en-US" dirty="0"/>
           </a:p>
@@ -9831,7 +9831,7 @@
             <a:fld id="{B61BEF0D-F0BB-DE4B-95CE-6DB70DBA9567}" type="datetimeFigureOut">
               <a:rPr lang="en-US" dirty="0"/>
               <a:pPr/>
-              <a:t>2/4/2019</a:t>
+              <a:t>2/5/2019</a:t>
             </a:fld>
             <a:endParaRPr lang="en-US" dirty="0"/>
           </a:p>
@@ -10008,7 +10008,7 @@
             <a:fld id="{B61BEF0D-F0BB-DE4B-95CE-6DB70DBA9567}" type="datetimeFigureOut">
               <a:rPr lang="en-US" dirty="0"/>
               <a:pPr/>
-              <a:t>2/4/2019</a:t>
+              <a:t>2/5/2019</a:t>
             </a:fld>
             <a:endParaRPr lang="en-US" dirty="0"/>
           </a:p>
@@ -10175,7 +10175,7 @@
             <a:fld id="{B61BEF0D-F0BB-DE4B-95CE-6DB70DBA9567}" type="datetimeFigureOut">
               <a:rPr lang="en-US" dirty="0"/>
               <a:pPr/>
-              <a:t>2/4/2019</a:t>
+              <a:t>2/5/2019</a:t>
             </a:fld>
             <a:endParaRPr lang="en-US" dirty="0"/>
           </a:p>
@@ -10423,7 +10423,7 @@
             <a:fld id="{B61BEF0D-F0BB-DE4B-95CE-6DB70DBA9567}" type="datetimeFigureOut">
               <a:rPr lang="en-US" dirty="0"/>
               <a:pPr/>
-              <a:t>2/4/2019</a:t>
+              <a:t>2/5/2019</a:t>
             </a:fld>
             <a:endParaRPr lang="en-US" dirty="0"/>
           </a:p>
@@ -10717,7 +10717,7 @@
             <a:fld id="{B61BEF0D-F0BB-DE4B-95CE-6DB70DBA9567}" type="datetimeFigureOut">
               <a:rPr lang="en-US" dirty="0"/>
               <a:pPr/>
-              <a:t>2/4/2019</a:t>
+              <a:t>2/5/2019</a:t>
             </a:fld>
             <a:endParaRPr lang="en-US" dirty="0"/>
           </a:p>
@@ -11156,7 +11156,7 @@
             <a:fld id="{B61BEF0D-F0BB-DE4B-95CE-6DB70DBA9567}" type="datetimeFigureOut">
               <a:rPr lang="en-US" dirty="0"/>
               <a:pPr/>
-              <a:t>2/4/2019</a:t>
+              <a:t>2/5/2019</a:t>
             </a:fld>
             <a:endParaRPr lang="en-US" dirty="0"/>
           </a:p>
@@ -11271,7 +11271,7 @@
             <a:fld id="{B61BEF0D-F0BB-DE4B-95CE-6DB70DBA9567}" type="datetimeFigureOut">
               <a:rPr lang="en-US" dirty="0"/>
               <a:pPr/>
-              <a:t>2/4/2019</a:t>
+              <a:t>2/5/2019</a:t>
             </a:fld>
             <a:endParaRPr lang="en-US" dirty="0"/>
           </a:p>
@@ -11363,7 +11363,7 @@
             <a:fld id="{B61BEF0D-F0BB-DE4B-95CE-6DB70DBA9567}" type="datetimeFigureOut">
               <a:rPr lang="en-US" dirty="0"/>
               <a:pPr/>
-              <a:t>2/4/2019</a:t>
+              <a:t>2/5/2019</a:t>
             </a:fld>
             <a:endParaRPr lang="en-US" dirty="0"/>
           </a:p>
@@ -11643,7 +11643,7 @@
             <a:fld id="{B61BEF0D-F0BB-DE4B-95CE-6DB70DBA9567}" type="datetimeFigureOut">
               <a:rPr lang="en-US" dirty="0"/>
               <a:pPr/>
-              <a:t>2/4/2019</a:t>
+              <a:t>2/5/2019</a:t>
             </a:fld>
             <a:endParaRPr lang="en-US" dirty="0"/>
           </a:p>
@@ -11931,7 +11931,7 @@
             <a:fld id="{B61BEF0D-F0BB-DE4B-95CE-6DB70DBA9567}" type="datetimeFigureOut">
               <a:rPr lang="en-US" dirty="0"/>
               <a:pPr/>
-              <a:t>2/4/2019</a:t>
+              <a:t>2/5/2019</a:t>
             </a:fld>
             <a:endParaRPr lang="en-US" dirty="0"/>
           </a:p>
@@ -12458,7 +12458,7 @@
             <a:fld id="{B61BEF0D-F0BB-DE4B-95CE-6DB70DBA9567}" type="datetimeFigureOut">
               <a:rPr lang="en-US" dirty="0"/>
               <a:pPr/>
-              <a:t>2/4/2019</a:t>
+              <a:t>2/5/2019</a:t>
             </a:fld>
             <a:endParaRPr lang="en-US" dirty="0"/>
           </a:p>
@@ -13579,13 +13579,13 @@
   <p:clrMapOvr>
     <a:overrideClrMapping bg1="dk1" tx1="lt1" bg2="dk2" tx2="lt2" accent1="accent1" accent2="accent2" accent3="accent3" accent4="accent4" accent5="accent5" accent6="accent6" hlink="hlink" folHlink="folHlink"/>
   </p:clrMapOvr>
-  <mc:AlternateContent xmlns:mc="http://schemas.openxmlformats.org/markup-compatibility/2006">
-    <mc:Choice xmlns:p159="http://schemas.microsoft.com/office/powerpoint/2015/09/main" Requires="p159">
+  <mc:AlternateContent xmlns:mc="http://schemas.openxmlformats.org/markup-compatibility/2006" xmlns:p159="http://schemas.microsoft.com/office/powerpoint/2015/09/main">
+    <mc:Choice Requires="p159">
       <p:transition xmlns:p14="http://schemas.microsoft.com/office/powerpoint/2010/main" spd="slow" p14:dur="2000">
         <p159:morph option="byObject"/>
       </p:transition>
     </mc:Choice>
-    <mc:Fallback>
+    <mc:Fallback xmlns="">
       <p:transition spd="slow">
         <p:fade/>
       </p:transition>
@@ -14383,13 +14383,13 @@
   <p:clrMapOvr>
     <a:overrideClrMapping bg1="dk1" tx1="lt1" bg2="dk2" tx2="lt2" accent1="accent1" accent2="accent2" accent3="accent3" accent4="accent4" accent5="accent5" accent6="accent6" hlink="hlink" folHlink="folHlink"/>
   </p:clrMapOvr>
-  <mc:AlternateContent xmlns:mc="http://schemas.openxmlformats.org/markup-compatibility/2006">
-    <mc:Choice xmlns:p159="http://schemas.microsoft.com/office/powerpoint/2015/09/main" Requires="p159">
+  <mc:AlternateContent xmlns:mc="http://schemas.openxmlformats.org/markup-compatibility/2006" xmlns:p159="http://schemas.microsoft.com/office/powerpoint/2015/09/main">
+    <mc:Choice Requires="p159">
       <p:transition xmlns:p14="http://schemas.microsoft.com/office/powerpoint/2010/main" spd="slow" p14:dur="2000">
         <p159:morph option="byObject"/>
       </p:transition>
     </mc:Choice>
-    <mc:Fallback>
+    <mc:Fallback xmlns="">
       <p:transition spd="slow">
         <p:fade/>
       </p:transition>
@@ -15150,13 +15150,13 @@
   <p:clrMapOvr>
     <a:overrideClrMapping bg1="dk1" tx1="lt1" bg2="dk2" tx2="lt2" accent1="accent1" accent2="accent2" accent3="accent3" accent4="accent4" accent5="accent5" accent6="accent6" hlink="hlink" folHlink="folHlink"/>
   </p:clrMapOvr>
-  <mc:AlternateContent xmlns:mc="http://schemas.openxmlformats.org/markup-compatibility/2006">
-    <mc:Choice xmlns:p159="http://schemas.microsoft.com/office/powerpoint/2015/09/main" Requires="p159">
+  <mc:AlternateContent xmlns:mc="http://schemas.openxmlformats.org/markup-compatibility/2006" xmlns:p159="http://schemas.microsoft.com/office/powerpoint/2015/09/main">
+    <mc:Choice Requires="p159">
       <p:transition xmlns:p14="http://schemas.microsoft.com/office/powerpoint/2010/main" spd="slow" p14:dur="2000">
         <p159:morph option="byObject"/>
       </p:transition>
     </mc:Choice>
-    <mc:Fallback>
+    <mc:Fallback xmlns="">
       <p:transition spd="slow">
         <p:fade/>
       </p:transition>
@@ -15914,13 +15914,13 @@
   <p:clrMapOvr>
     <a:overrideClrMapping bg1="dk1" tx1="lt1" bg2="dk2" tx2="lt2" accent1="accent1" accent2="accent2" accent3="accent3" accent4="accent4" accent5="accent5" accent6="accent6" hlink="hlink" folHlink="folHlink"/>
   </p:clrMapOvr>
-  <mc:AlternateContent xmlns:mc="http://schemas.openxmlformats.org/markup-compatibility/2006">
-    <mc:Choice xmlns:p159="http://schemas.microsoft.com/office/powerpoint/2015/09/main" Requires="p159">
+  <mc:AlternateContent xmlns:mc="http://schemas.openxmlformats.org/markup-compatibility/2006" xmlns:p159="http://schemas.microsoft.com/office/powerpoint/2015/09/main">
+    <mc:Choice Requires="p159">
       <p:transition xmlns:p14="http://schemas.microsoft.com/office/powerpoint/2010/main" spd="slow" p14:dur="2000">
         <p159:morph option="byObject"/>
       </p:transition>
     </mc:Choice>
-    <mc:Fallback>
+    <mc:Fallback xmlns="">
       <p:transition spd="slow">
         <p:fade/>
       </p:transition>
@@ -16695,13 +16695,13 @@
   <p:clrMapOvr>
     <a:overrideClrMapping bg1="dk1" tx1="lt1" bg2="dk2" tx2="lt2" accent1="accent1" accent2="accent2" accent3="accent3" accent4="accent4" accent5="accent5" accent6="accent6" hlink="hlink" folHlink="folHlink"/>
   </p:clrMapOvr>
-  <mc:AlternateContent xmlns:mc="http://schemas.openxmlformats.org/markup-compatibility/2006">
-    <mc:Choice xmlns:p159="http://schemas.microsoft.com/office/powerpoint/2015/09/main" Requires="p159">
+  <mc:AlternateContent xmlns:mc="http://schemas.openxmlformats.org/markup-compatibility/2006" xmlns:p159="http://schemas.microsoft.com/office/powerpoint/2015/09/main">
+    <mc:Choice Requires="p159">
       <p:transition xmlns:p14="http://schemas.microsoft.com/office/powerpoint/2010/main" spd="slow" p14:dur="2000">
         <p159:morph option="byObject"/>
       </p:transition>
     </mc:Choice>
-    <mc:Fallback>
+    <mc:Fallback xmlns="">
       <p:transition spd="slow">
         <p:fade/>
       </p:transition>
@@ -17458,13 +17458,13 @@
   <p:clrMapOvr>
     <a:overrideClrMapping bg1="dk1" tx1="lt1" bg2="dk2" tx2="lt2" accent1="accent1" accent2="accent2" accent3="accent3" accent4="accent4" accent5="accent5" accent6="accent6" hlink="hlink" folHlink="folHlink"/>
   </p:clrMapOvr>
-  <mc:AlternateContent xmlns:mc="http://schemas.openxmlformats.org/markup-compatibility/2006">
-    <mc:Choice xmlns:p159="http://schemas.microsoft.com/office/powerpoint/2015/09/main" Requires="p159">
+  <mc:AlternateContent xmlns:mc="http://schemas.openxmlformats.org/markup-compatibility/2006" xmlns:p159="http://schemas.microsoft.com/office/powerpoint/2015/09/main">
+    <mc:Choice Requires="p159">
       <p:transition xmlns:p14="http://schemas.microsoft.com/office/powerpoint/2010/main" spd="slow" p14:dur="2000">
         <p159:morph option="byObject"/>
       </p:transition>
     </mc:Choice>
-    <mc:Fallback>
+    <mc:Fallback xmlns="">
       <p:transition spd="slow">
         <p:fade/>
       </p:transition>
@@ -18468,13 +18468,13 @@
   <p:clrMapOvr>
     <a:overrideClrMapping bg1="dk1" tx1="lt1" bg2="dk2" tx2="lt2" accent1="accent1" accent2="accent2" accent3="accent3" accent4="accent4" accent5="accent5" accent6="accent6" hlink="hlink" folHlink="folHlink"/>
   </p:clrMapOvr>
-  <mc:AlternateContent xmlns:mc="http://schemas.openxmlformats.org/markup-compatibility/2006">
-    <mc:Choice xmlns:p159="http://schemas.microsoft.com/office/powerpoint/2015/09/main" Requires="p159">
+  <mc:AlternateContent xmlns:mc="http://schemas.openxmlformats.org/markup-compatibility/2006" xmlns:p159="http://schemas.microsoft.com/office/powerpoint/2015/09/main">
+    <mc:Choice Requires="p159">
       <p:transition xmlns:p14="http://schemas.microsoft.com/office/powerpoint/2010/main" spd="slow" p14:dur="2000">
         <p159:morph option="byObject"/>
       </p:transition>
     </mc:Choice>
-    <mc:Fallback>
+    <mc:Fallback xmlns="">
       <p:transition spd="slow">
         <p:fade/>
       </p:transition>
@@ -19240,13 +19240,13 @@
   <p:clrMapOvr>
     <a:overrideClrMapping bg1="dk1" tx1="lt1" bg2="dk2" tx2="lt2" accent1="accent1" accent2="accent2" accent3="accent3" accent4="accent4" accent5="accent5" accent6="accent6" hlink="hlink" folHlink="folHlink"/>
   </p:clrMapOvr>
-  <mc:AlternateContent xmlns:mc="http://schemas.openxmlformats.org/markup-compatibility/2006">
-    <mc:Choice xmlns:p159="http://schemas.microsoft.com/office/powerpoint/2015/09/main" Requires="p159">
+  <mc:AlternateContent xmlns:mc="http://schemas.openxmlformats.org/markup-compatibility/2006" xmlns:p159="http://schemas.microsoft.com/office/powerpoint/2015/09/main">
+    <mc:Choice Requires="p159">
       <p:transition xmlns:p14="http://schemas.microsoft.com/office/powerpoint/2010/main" spd="slow" p14:dur="2000">
         <p159:morph option="byObject"/>
       </p:transition>
     </mc:Choice>
-    <mc:Fallback>
+    <mc:Fallback xmlns="">
       <p:transition spd="slow">
         <p:fade/>
       </p:transition>
@@ -19994,13 +19994,13 @@
   <p:clrMapOvr>
     <a:overrideClrMapping bg1="dk1" tx1="lt1" bg2="dk2" tx2="lt2" accent1="accent1" accent2="accent2" accent3="accent3" accent4="accent4" accent5="accent5" accent6="accent6" hlink="hlink" folHlink="folHlink"/>
   </p:clrMapOvr>
-  <mc:AlternateContent xmlns:mc="http://schemas.openxmlformats.org/markup-compatibility/2006">
-    <mc:Choice xmlns:p159="http://schemas.microsoft.com/office/powerpoint/2015/09/main" Requires="p159">
+  <mc:AlternateContent xmlns:mc="http://schemas.openxmlformats.org/markup-compatibility/2006" xmlns:p159="http://schemas.microsoft.com/office/powerpoint/2015/09/main">
+    <mc:Choice Requires="p159">
       <p:transition xmlns:p14="http://schemas.microsoft.com/office/powerpoint/2010/main" spd="slow" p14:dur="2000">
         <p159:morph option="byObject"/>
       </p:transition>
     </mc:Choice>
-    <mc:Fallback>
+    <mc:Fallback xmlns="">
       <p:transition spd="slow">
         <p:fade/>
       </p:transition>
@@ -20748,13 +20748,13 @@
   <p:clrMapOvr>
     <a:overrideClrMapping bg1="dk1" tx1="lt1" bg2="dk2" tx2="lt2" accent1="accent1" accent2="accent2" accent3="accent3" accent4="accent4" accent5="accent5" accent6="accent6" hlink="hlink" folHlink="folHlink"/>
   </p:clrMapOvr>
-  <mc:AlternateContent xmlns:mc="http://schemas.openxmlformats.org/markup-compatibility/2006">
-    <mc:Choice xmlns:p159="http://schemas.microsoft.com/office/powerpoint/2015/09/main" Requires="p159">
+  <mc:AlternateContent xmlns:mc="http://schemas.openxmlformats.org/markup-compatibility/2006" xmlns:p159="http://schemas.microsoft.com/office/powerpoint/2015/09/main">
+    <mc:Choice Requires="p159">
       <p:transition xmlns:p14="http://schemas.microsoft.com/office/powerpoint/2010/main" spd="slow" p14:dur="2000">
         <p159:morph option="byObject"/>
       </p:transition>
     </mc:Choice>
-    <mc:Fallback>
+    <mc:Fallback xmlns="">
       <p:transition spd="slow">
         <p:fade/>
       </p:transition>
@@ -21734,7 +21734,7 @@
         <p:spPr>
           <a:xfrm>
             <a:off x="254981" y="1606682"/>
-            <a:ext cx="7506305" cy="3691181"/>
+            <a:ext cx="7506305" cy="4832218"/>
           </a:xfrm>
         </p:spPr>
         <p:txBody>
@@ -21785,6 +21785,58 @@
               <a:t>Les taches build</a:t>
             </a:r>
           </a:p>
+          <a:p>
+            <a:pPr marL="342900" indent="-342900" algn="l">
+              <a:buFont typeface="Arial" panose="020B0604020202020204" pitchFamily="34" charset="0"/>
+              <a:buChar char="•"/>
+            </a:pPr>
+            <a:endParaRPr lang="fr-FR" sz="2100" dirty="0"/>
+          </a:p>
+          <a:p>
+            <a:pPr marL="342900" indent="-342900" algn="l">
+              <a:buFont typeface="Arial" panose="020B0604020202020204" pitchFamily="34" charset="0"/>
+              <a:buChar char="•"/>
+            </a:pPr>
+            <a:r>
+              <a:rPr lang="fr-FR" sz="2100" dirty="0" err="1"/>
+              <a:t>Dockerisation</a:t>
+            </a:r>
+            <a:endParaRPr lang="fr-FR" sz="2100" dirty="0"/>
+          </a:p>
+          <a:p>
+            <a:pPr marL="342900" indent="-342900" algn="l">
+              <a:buFont typeface="Arial" panose="020B0604020202020204" pitchFamily="34" charset="0"/>
+              <a:buChar char="•"/>
+            </a:pPr>
+            <a:endParaRPr lang="fr-FR" sz="2100" dirty="0"/>
+          </a:p>
+          <a:p>
+            <a:pPr marL="342900" indent="-342900" algn="l">
+              <a:buFont typeface="Arial" panose="020B0604020202020204" pitchFamily="34" charset="0"/>
+              <a:buChar char="•"/>
+            </a:pPr>
+            <a:r>
+              <a:rPr lang="fr-FR" sz="2100" dirty="0"/>
+              <a:t>L’asp.net core 2.X</a:t>
+            </a:r>
+          </a:p>
+          <a:p>
+            <a:pPr marL="342900" indent="-342900" algn="l">
+              <a:buFont typeface="Arial" panose="020B0604020202020204" pitchFamily="34" charset="0"/>
+              <a:buChar char="•"/>
+            </a:pPr>
+            <a:endParaRPr lang="fr-FR" sz="2100" dirty="0"/>
+          </a:p>
+          <a:p>
+            <a:pPr marL="342900" indent="-342900" algn="l">
+              <a:buFont typeface="Arial" panose="020B0604020202020204" pitchFamily="34" charset="0"/>
+              <a:buChar char="•"/>
+            </a:pPr>
+            <a:r>
+              <a:rPr lang="fr-FR" sz="2100" dirty="0"/>
+              <a:t>Injection de code avant d’exécuter la méthode Main</a:t>
+            </a:r>
+          </a:p>
         </p:txBody>
       </p:sp>
     </p:spTree>
@@ -21797,13 +21849,13 @@
   <p:clrMapOvr>
     <a:overrideClrMapping bg1="dk1" tx1="lt1" bg2="dk2" tx2="lt2" accent1="accent1" accent2="accent2" accent3="accent3" accent4="accent4" accent5="accent5" accent6="accent6" hlink="hlink" folHlink="folHlink"/>
   </p:clrMapOvr>
-  <mc:AlternateContent xmlns:mc="http://schemas.openxmlformats.org/markup-compatibility/2006">
-    <mc:Choice xmlns:p159="http://schemas.microsoft.com/office/powerpoint/2015/09/main" Requires="p159">
+  <mc:AlternateContent xmlns:mc="http://schemas.openxmlformats.org/markup-compatibility/2006" xmlns:p159="http://schemas.microsoft.com/office/powerpoint/2015/09/main">
+    <mc:Choice Requires="p159">
       <p:transition xmlns:p14="http://schemas.microsoft.com/office/powerpoint/2010/main" spd="slow" p14:dur="2000">
         <p159:morph option="byObject"/>
       </p:transition>
     </mc:Choice>
-    <mc:Fallback>
+    <mc:Fallback xmlns="">
       <p:transition spd="slow">
         <p:fade/>
       </p:transition>
@@ -22569,13 +22621,13 @@
   <p:clrMapOvr>
     <a:masterClrMapping/>
   </p:clrMapOvr>
-  <mc:AlternateContent xmlns:mc="http://schemas.openxmlformats.org/markup-compatibility/2006">
-    <mc:Choice xmlns:p159="http://schemas.microsoft.com/office/powerpoint/2015/09/main" Requires="p159">
+  <mc:AlternateContent xmlns:mc="http://schemas.openxmlformats.org/markup-compatibility/2006" xmlns:p159="http://schemas.microsoft.com/office/powerpoint/2015/09/main">
+    <mc:Choice Requires="p159">
       <p:transition xmlns:p14="http://schemas.microsoft.com/office/powerpoint/2010/main" spd="slow" p14:dur="2000">
         <p159:morph option="byObject"/>
       </p:transition>
     </mc:Choice>
-    <mc:Fallback>
+    <mc:Fallback xmlns="">
       <p:transition spd="slow">
         <p:fade/>
       </p:transition>
@@ -23582,13 +23634,13 @@
   <p:clrMapOvr>
     <a:overrideClrMapping bg1="dk1" tx1="lt1" bg2="dk2" tx2="lt2" accent1="accent1" accent2="accent2" accent3="accent3" accent4="accent4" accent5="accent5" accent6="accent6" hlink="hlink" folHlink="folHlink"/>
   </p:clrMapOvr>
-  <mc:AlternateContent xmlns:mc="http://schemas.openxmlformats.org/markup-compatibility/2006">
-    <mc:Choice xmlns:p159="http://schemas.microsoft.com/office/powerpoint/2015/09/main" Requires="p159">
+  <mc:AlternateContent xmlns:mc="http://schemas.openxmlformats.org/markup-compatibility/2006" xmlns:p159="http://schemas.microsoft.com/office/powerpoint/2015/09/main">
+    <mc:Choice Requires="p159">
       <p:transition xmlns:p14="http://schemas.microsoft.com/office/powerpoint/2010/main" spd="slow" p14:dur="2000">
         <p159:morph option="byObject"/>
       </p:transition>
     </mc:Choice>
-    <mc:Fallback>
+    <mc:Fallback xmlns="">
       <p:transition spd="slow">
         <p:fade/>
       </p:transition>
@@ -24334,13 +24386,13 @@
   <p:clrMapOvr>
     <a:overrideClrMapping bg1="dk1" tx1="lt1" bg2="dk2" tx2="lt2" accent1="accent1" accent2="accent2" accent3="accent3" accent4="accent4" accent5="accent5" accent6="accent6" hlink="hlink" folHlink="folHlink"/>
   </p:clrMapOvr>
-  <mc:AlternateContent xmlns:mc="http://schemas.openxmlformats.org/markup-compatibility/2006">
-    <mc:Choice xmlns:p159="http://schemas.microsoft.com/office/powerpoint/2015/09/main" Requires="p159">
+  <mc:AlternateContent xmlns:mc="http://schemas.openxmlformats.org/markup-compatibility/2006" xmlns:p159="http://schemas.microsoft.com/office/powerpoint/2015/09/main">
+    <mc:Choice Requires="p159">
       <p:transition xmlns:p14="http://schemas.microsoft.com/office/powerpoint/2010/main" spd="slow" p14:dur="2000">
         <p159:morph option="byObject"/>
       </p:transition>
     </mc:Choice>
-    <mc:Fallback>
+    <mc:Fallback xmlns="">
       <p:transition spd="slow">
         <p:fade/>
       </p:transition>
@@ -25187,13 +25239,13 @@
   <p:clrMapOvr>
     <a:overrideClrMapping bg1="dk1" tx1="lt1" bg2="dk2" tx2="lt2" accent1="accent1" accent2="accent2" accent3="accent3" accent4="accent4" accent5="accent5" accent6="accent6" hlink="hlink" folHlink="folHlink"/>
   </p:clrMapOvr>
-  <mc:AlternateContent xmlns:mc="http://schemas.openxmlformats.org/markup-compatibility/2006">
-    <mc:Choice xmlns:p159="http://schemas.microsoft.com/office/powerpoint/2015/09/main" Requires="p159">
+  <mc:AlternateContent xmlns:mc="http://schemas.openxmlformats.org/markup-compatibility/2006" xmlns:p159="http://schemas.microsoft.com/office/powerpoint/2015/09/main">
+    <mc:Choice Requires="p159">
       <p:transition xmlns:p14="http://schemas.microsoft.com/office/powerpoint/2010/main" spd="slow" p14:dur="2000">
         <p159:morph option="byObject"/>
       </p:transition>
     </mc:Choice>
-    <mc:Fallback>
+    <mc:Fallback xmlns="">
       <p:transition spd="slow">
         <p:fade/>
       </p:transition>
@@ -26200,13 +26252,13 @@
   <p:clrMapOvr>
     <a:overrideClrMapping bg1="dk1" tx1="lt1" bg2="dk2" tx2="lt2" accent1="accent1" accent2="accent2" accent3="accent3" accent4="accent4" accent5="accent5" accent6="accent6" hlink="hlink" folHlink="folHlink"/>
   </p:clrMapOvr>
-  <mc:AlternateContent xmlns:mc="http://schemas.openxmlformats.org/markup-compatibility/2006">
-    <mc:Choice xmlns:p159="http://schemas.microsoft.com/office/powerpoint/2015/09/main" Requires="p159">
+  <mc:AlternateContent xmlns:mc="http://schemas.openxmlformats.org/markup-compatibility/2006" xmlns:p159="http://schemas.microsoft.com/office/powerpoint/2015/09/main">
+    <mc:Choice Requires="p159">
       <p:transition xmlns:p14="http://schemas.microsoft.com/office/powerpoint/2010/main" spd="slow" p14:dur="2000">
         <p159:morph option="byObject"/>
       </p:transition>
     </mc:Choice>
-    <mc:Fallback>
+    <mc:Fallback xmlns="">
       <p:transition spd="slow">
         <p:fade/>
       </p:transition>
@@ -27659,13 +27711,13 @@
   <p:clrMapOvr>
     <a:overrideClrMapping bg1="dk1" tx1="lt1" bg2="dk2" tx2="lt2" accent1="accent1" accent2="accent2" accent3="accent3" accent4="accent4" accent5="accent5" accent6="accent6" hlink="hlink" folHlink="folHlink"/>
   </p:clrMapOvr>
-  <mc:AlternateContent xmlns:mc="http://schemas.openxmlformats.org/markup-compatibility/2006">
-    <mc:Choice xmlns:p159="http://schemas.microsoft.com/office/powerpoint/2015/09/main" Requires="p159">
+  <mc:AlternateContent xmlns:mc="http://schemas.openxmlformats.org/markup-compatibility/2006" xmlns:p159="http://schemas.microsoft.com/office/powerpoint/2015/09/main">
+    <mc:Choice Requires="p159">
       <p:transition xmlns:p14="http://schemas.microsoft.com/office/powerpoint/2010/main" spd="slow" p14:dur="2000">
         <p159:morph option="byObject"/>
       </p:transition>
     </mc:Choice>
-    <mc:Fallback>
+    <mc:Fallback xmlns="">
       <p:transition spd="slow">
         <p:fade/>
       </p:transition>
@@ -29183,13 +29235,13 @@
   <p:clrMapOvr>
     <a:overrideClrMapping bg1="dk1" tx1="lt1" bg2="dk2" tx2="lt2" accent1="accent1" accent2="accent2" accent3="accent3" accent4="accent4" accent5="accent5" accent6="accent6" hlink="hlink" folHlink="folHlink"/>
   </p:clrMapOvr>
-  <mc:AlternateContent xmlns:mc="http://schemas.openxmlformats.org/markup-compatibility/2006">
-    <mc:Choice xmlns:p159="http://schemas.microsoft.com/office/powerpoint/2015/09/main" Requires="p159">
+  <mc:AlternateContent xmlns:mc="http://schemas.openxmlformats.org/markup-compatibility/2006" xmlns:p159="http://schemas.microsoft.com/office/powerpoint/2015/09/main">
+    <mc:Choice Requires="p159">
       <p:transition xmlns:p14="http://schemas.microsoft.com/office/powerpoint/2010/main" spd="slow" p14:dur="2000">
         <p159:morph option="byObject"/>
       </p:transition>
     </mc:Choice>
-    <mc:Fallback>
+    <mc:Fallback xmlns="">
       <p:transition spd="slow">
         <p:fade/>
       </p:transition>
@@ -30196,13 +30248,13 @@
   <p:clrMapOvr>
     <a:overrideClrMapping bg1="dk1" tx1="lt1" bg2="dk2" tx2="lt2" accent1="accent1" accent2="accent2" accent3="accent3" accent4="accent4" accent5="accent5" accent6="accent6" hlink="hlink" folHlink="folHlink"/>
   </p:clrMapOvr>
-  <mc:AlternateContent xmlns:mc="http://schemas.openxmlformats.org/markup-compatibility/2006">
-    <mc:Choice xmlns:p159="http://schemas.microsoft.com/office/powerpoint/2015/09/main" Requires="p159">
+  <mc:AlternateContent xmlns:mc="http://schemas.openxmlformats.org/markup-compatibility/2006" xmlns:p159="http://schemas.microsoft.com/office/powerpoint/2015/09/main">
+    <mc:Choice Requires="p159">
       <p:transition xmlns:p14="http://schemas.microsoft.com/office/powerpoint/2010/main" spd="slow" p14:dur="2000">
         <p159:morph option="byObject"/>
       </p:transition>
     </mc:Choice>
-    <mc:Fallback>
+    <mc:Fallback xmlns="">
       <p:transition spd="slow">
         <p:fade/>
       </p:transition>
@@ -31285,13 +31337,13 @@
   <p:clrMapOvr>
     <a:overrideClrMapping bg1="dk1" tx1="lt1" bg2="dk2" tx2="lt2" accent1="accent1" accent2="accent2" accent3="accent3" accent4="accent4" accent5="accent5" accent6="accent6" hlink="hlink" folHlink="folHlink"/>
   </p:clrMapOvr>
-  <mc:AlternateContent xmlns:mc="http://schemas.openxmlformats.org/markup-compatibility/2006">
-    <mc:Choice xmlns:p159="http://schemas.microsoft.com/office/powerpoint/2015/09/main" Requires="p159">
+  <mc:AlternateContent xmlns:mc="http://schemas.openxmlformats.org/markup-compatibility/2006" xmlns:p159="http://schemas.microsoft.com/office/powerpoint/2015/09/main">
+    <mc:Choice Requires="p159">
       <p:transition xmlns:p14="http://schemas.microsoft.com/office/powerpoint/2010/main" spd="slow" p14:dur="2000">
         <p159:morph option="byObject"/>
       </p:transition>
     </mc:Choice>
-    <mc:Fallback>
+    <mc:Fallback xmlns="">
       <p:transition spd="slow">
         <p:fade/>
       </p:transition>
@@ -32049,7 +32101,7 @@
         <p:spPr>
           <a:xfrm>
             <a:off x="8512616" y="3407229"/>
-            <a:ext cx="3210875" cy="923330"/>
+            <a:ext cx="3210875" cy="1200329"/>
           </a:xfrm>
           <a:prstGeom prst="rect">
             <a:avLst/>
@@ -32064,7 +32116,7 @@
             <a:pPr algn="ctr"/>
             <a:r>
               <a:rPr lang="fr-FR" dirty="0"/>
-              <a:t>Avec le .net core il naviguer dans les package nuget pour trouver ce que l’on cherche.</a:t>
+              <a:t>Avec le .net core, il faut naviguer dans les package nuget pour trouver ce que l’on cherche.</a:t>
             </a:r>
           </a:p>
         </p:txBody>
@@ -32079,13 +32131,13 @@
   <p:clrMapOvr>
     <a:overrideClrMapping bg1="dk1" tx1="lt1" bg2="dk2" tx2="lt2" accent1="accent1" accent2="accent2" accent3="accent3" accent4="accent4" accent5="accent5" accent6="accent6" hlink="hlink" folHlink="folHlink"/>
   </p:clrMapOvr>
-  <mc:AlternateContent xmlns:mc="http://schemas.openxmlformats.org/markup-compatibility/2006">
-    <mc:Choice xmlns:p159="http://schemas.microsoft.com/office/powerpoint/2015/09/main" Requires="p159">
+  <mc:AlternateContent xmlns:mc="http://schemas.openxmlformats.org/markup-compatibility/2006" xmlns:p159="http://schemas.microsoft.com/office/powerpoint/2015/09/main">
+    <mc:Choice Requires="p159">
       <p:transition xmlns:p14="http://schemas.microsoft.com/office/powerpoint/2010/main" spd="slow" p14:dur="2000">
         <p159:morph option="byObject"/>
       </p:transition>
     </mc:Choice>
-    <mc:Fallback>
+    <mc:Fallback xmlns="">
       <p:transition spd="slow">
         <p:fade/>
       </p:transition>
@@ -33092,13 +33144,13 @@
   <p:clrMapOvr>
     <a:overrideClrMapping bg1="dk1" tx1="lt1" bg2="dk2" tx2="lt2" accent1="accent1" accent2="accent2" accent3="accent3" accent4="accent4" accent5="accent5" accent6="accent6" hlink="hlink" folHlink="folHlink"/>
   </p:clrMapOvr>
-  <mc:AlternateContent xmlns:mc="http://schemas.openxmlformats.org/markup-compatibility/2006">
-    <mc:Choice xmlns:p159="http://schemas.microsoft.com/office/powerpoint/2015/09/main" Requires="p159">
+  <mc:AlternateContent xmlns:mc="http://schemas.openxmlformats.org/markup-compatibility/2006" xmlns:p159="http://schemas.microsoft.com/office/powerpoint/2015/09/main">
+    <mc:Choice Requires="p159">
       <p:transition xmlns:p14="http://schemas.microsoft.com/office/powerpoint/2010/main" spd="slow" p14:dur="2000">
         <p159:morph option="byObject"/>
       </p:transition>
     </mc:Choice>
-    <mc:Fallback>
+    <mc:Fallback xmlns="">
       <p:transition spd="slow">
         <p:fade/>
       </p:transition>
